--- a/Segmentez des clients d'un site e-commerce.pptx
+++ b/Segmentez des clients d'un site e-commerce.pptx
@@ -2176,7 +2176,7 @@
             <a:pPr rtl="0"/>
             <a:fld id="{3A863BC8-0A83-4FB8-8E37-D48B2BD38ABF}" type="datetime1">
               <a:rPr lang="fr-FR" smtClean="0"/>
-              <a:t>25/02/2023</a:t>
+              <a:t>27/02/2023</a:t>
             </a:fld>
             <a:endParaRPr lang="fr-FR"/>
           </a:p>
@@ -2358,7 +2358,7 @@
             <a:pPr rtl="0"/>
             <a:fld id="{3D7AEF8A-CA9E-4B83-A83F-04A2BCFFE638}" type="datetime1">
               <a:rPr lang="fr-FR" smtClean="0"/>
-              <a:t>25/02/2023</a:t>
+              <a:t>27/02/2023</a:t>
             </a:fld>
             <a:endParaRPr lang="fr-FR" dirty="0"/>
           </a:p>
@@ -2981,7 +2981,7 @@
             <a:pPr rtl="0"/>
             <a:fld id="{B7DCC382-13B6-47FD-8690-D9B3440971C6}" type="datetime1">
               <a:rPr lang="fr-FR" noProof="0" smtClean="0"/>
-              <a:t>25/02/2023</a:t>
+              <a:t>27/02/2023</a:t>
             </a:fld>
             <a:endParaRPr lang="fr-FR" noProof="0"/>
           </a:p>
@@ -3183,7 +3183,7 @@
             <a:pPr rtl="0"/>
             <a:fld id="{0486FC55-280E-42B2-89A6-F5309142C9F8}" type="datetime1">
               <a:rPr lang="fr-FR" noProof="0" smtClean="0"/>
-              <a:t>25/02/2023</a:t>
+              <a:t>27/02/2023</a:t>
             </a:fld>
             <a:endParaRPr lang="fr-FR" noProof="0"/>
           </a:p>
@@ -3462,7 +3462,7 @@
             <a:pPr rtl="0"/>
             <a:fld id="{BB2CF040-C722-40DA-9B24-E3EE33F97C50}" type="datetime1">
               <a:rPr lang="fr-FR" noProof="0" smtClean="0"/>
-              <a:t>25/02/2023</a:t>
+              <a:t>27/02/2023</a:t>
             </a:fld>
             <a:endParaRPr lang="fr-FR" noProof="0"/>
           </a:p>
@@ -3761,7 +3761,7 @@
             <a:pPr rtl="0"/>
             <a:fld id="{A7394D42-D005-4DA6-B2D8-4825D1F42C2D}" type="datetime1">
               <a:rPr lang="fr-FR" noProof="0" smtClean="0"/>
-              <a:t>25/02/2023</a:t>
+              <a:t>27/02/2023</a:t>
             </a:fld>
             <a:endParaRPr lang="fr-FR" noProof="0"/>
           </a:p>
@@ -4147,7 +4147,7 @@
             <a:pPr rtl="0"/>
             <a:fld id="{418FD0EA-11AD-481B-A3D2-7755120C9C75}" type="datetime1">
               <a:rPr lang="fr-FR" noProof="0" smtClean="0"/>
-              <a:t>25/02/2023</a:t>
+              <a:t>27/02/2023</a:t>
             </a:fld>
             <a:endParaRPr lang="fr-FR" noProof="0"/>
           </a:p>
@@ -4292,7 +4292,7 @@
             <a:pPr rtl="0"/>
             <a:fld id="{DB4A023E-7A48-4FC7-9911-6AE114940711}" type="datetime1">
               <a:rPr lang="fr-FR" noProof="0" smtClean="0"/>
-              <a:t>25/02/2023</a:t>
+              <a:t>27/02/2023</a:t>
             </a:fld>
             <a:endParaRPr lang="fr-FR" noProof="0"/>
           </a:p>
@@ -4408,7 +4408,7 @@
             <a:pPr rtl="0"/>
             <a:fld id="{630EEA37-5F96-4653-B54F-DA5953FAD514}" type="datetime1">
               <a:rPr lang="fr-FR" noProof="0" smtClean="0"/>
-              <a:t>25/02/2023</a:t>
+              <a:t>27/02/2023</a:t>
             </a:fld>
             <a:endParaRPr lang="fr-FR" noProof="0"/>
           </a:p>
@@ -4723,7 +4723,7 @@
             <a:pPr rtl="0"/>
             <a:fld id="{D111DFE1-A3D3-421C-8700-AACC88F95212}" type="datetime1">
               <a:rPr lang="fr-FR" noProof="0" smtClean="0"/>
-              <a:t>25/02/2023</a:t>
+              <a:t>27/02/2023</a:t>
             </a:fld>
             <a:endParaRPr lang="fr-FR" noProof="0"/>
           </a:p>
@@ -5019,7 +5019,7 @@
             <a:pPr rtl="0"/>
             <a:fld id="{84794B02-73ED-4700-A40E-343121C852F9}" type="datetime1">
               <a:rPr lang="fr-FR" noProof="0" smtClean="0"/>
-              <a:t>25/02/2023</a:t>
+              <a:t>27/02/2023</a:t>
             </a:fld>
             <a:endParaRPr lang="fr-FR" noProof="0"/>
           </a:p>
@@ -5264,7 +5264,7 @@
             <a:pPr rtl="0"/>
             <a:fld id="{326577D9-D1A9-4F13-B8D1-91A56A773EA8}" type="datetime1">
               <a:rPr lang="fr-FR" noProof="0" smtClean="0"/>
-              <a:t>25/02/2023</a:t>
+              <a:t>27/02/2023</a:t>
             </a:fld>
             <a:endParaRPr lang="fr-FR" noProof="0"/>
           </a:p>
@@ -9453,7 +9453,7 @@
           <a:lstStyle/>
           <a:p>
             <a:r>
-              <a:rPr lang="fr-FR" sz="2400" b="1" dirty="0">
+              <a:rPr lang="fr-FR" sz="2400" b="1">
                 <a:solidFill>
                   <a:schemeClr val="accent2"/>
                 </a:solidFill>
@@ -9461,7 +9461,18 @@
                 <a:ea typeface="+mj-ea"/>
                 <a:cs typeface="+mj-cs"/>
               </a:rPr>
-              <a:t>A. proposition de contrat de maintenance</a:t>
+              <a:t>Proposition </a:t>
+            </a:r>
+            <a:r>
+              <a:rPr lang="fr-FR" sz="2400" b="1" dirty="0">
+                <a:solidFill>
+                  <a:schemeClr val="accent2"/>
+                </a:solidFill>
+                <a:latin typeface="+mj-lt"/>
+                <a:ea typeface="+mj-ea"/>
+                <a:cs typeface="+mj-cs"/>
+              </a:rPr>
+              <a:t>de contrat de maintenance</a:t>
             </a:r>
           </a:p>
         </p:txBody>
@@ -11232,37 +11243,13 @@
           <a:p>
             <a:r>
               <a:rPr lang="fr-FR" sz="2000" dirty="0"/>
-              <a:t>9 fichiers </a:t>
-            </a:r>
-            <a:r>
-              <a:rPr lang="fr-FR" sz="2000"/>
-              <a:t>« .csv </a:t>
-            </a:r>
+              <a:t>9 fichiers « .csv »</a:t>
+            </a:r>
+          </a:p>
+          <a:p>
             <a:r>
               <a:rPr lang="fr-FR" sz="2000" dirty="0"/>
-              <a:t>»</a:t>
-            </a:r>
-          </a:p>
-          <a:p>
-            <a:r>
-              <a:rPr lang="fr-FR" sz="2000" dirty="0"/>
-              <a:t>Merge et </a:t>
-            </a:r>
-            <a:r>
-              <a:rPr lang="fr-FR" sz="2000" dirty="0" err="1"/>
-              <a:t>groupby</a:t>
-            </a:r>
-            <a:r>
-              <a:rPr lang="fr-FR" sz="2000" dirty="0"/>
-              <a:t> pour obtenir </a:t>
-            </a:r>
-            <a:r>
-              <a:rPr lang="fr-FR" sz="2000" dirty="0" err="1"/>
-              <a:t>dataframe</a:t>
-            </a:r>
-            <a:r>
-              <a:rPr lang="fr-FR" sz="2000" dirty="0"/>
-              <a:t> « clients »</a:t>
+              <a:t>Merge et groupby pour obtenir data frame « clients »</a:t>
             </a:r>
           </a:p>
           <a:p>
@@ -11273,31 +11260,14 @@
           </a:p>
           <a:p>
             <a:r>
-              <a:rPr lang="fr-FR" sz="2000"/>
-              <a:t>Seulement 3.12</a:t>
-            </a:r>
-            <a:r>
               <a:rPr lang="fr-FR" sz="2000" dirty="0"/>
-              <a:t>% des clients ont commandés plus d'une fois sur </a:t>
-            </a:r>
-            <a:r>
-              <a:rPr lang="fr-FR" sz="2000"/>
-              <a:t>le site.</a:t>
-            </a:r>
-            <a:endParaRPr lang="fr-FR" sz="2000" dirty="0"/>
+              <a:t>Seulement 3.12% des clients ont commandés plus d'une fois sur le site.</a:t>
+            </a:r>
           </a:p>
           <a:p>
             <a:r>
               <a:rPr lang="fr-FR" sz="2000" dirty="0"/>
-              <a:t>97% des commandes ont été livrés et 1,24% des commandes ont été annulées ou sont indisponibles (donc supprimées de notre </a:t>
-            </a:r>
-            <a:r>
-              <a:rPr lang="fr-FR" sz="2000" dirty="0" err="1"/>
-              <a:t>dataframe</a:t>
-            </a:r>
-            <a:r>
-              <a:rPr lang="fr-FR" sz="2000" dirty="0"/>
-              <a:t>)</a:t>
+              <a:t>97% des commandes ont été livrés et 1,24% des commandes ont été annulées ou sont indisponibles (donc supprimées de notre data frame)</a:t>
             </a:r>
           </a:p>
           <a:p>
@@ -11943,7 +11913,7 @@
                 <a:ea typeface="+mj-ea"/>
                 <a:cs typeface="+mj-cs"/>
               </a:rPr>
-              <a:t>C. Création des variables utiles</a:t>
+              <a:t>D. Création des variables utiles</a:t>
             </a:r>
           </a:p>
         </p:txBody>
@@ -12342,7 +12312,7 @@
           <a:lstStyle/>
           <a:p>
             <a:r>
-              <a:rPr lang="fr-FR" sz="2400" b="1">
+              <a:rPr lang="fr-FR" sz="2400" b="1" dirty="0">
                 <a:solidFill>
                   <a:schemeClr val="accent2"/>
                 </a:solidFill>
@@ -12350,18 +12320,7 @@
                 <a:ea typeface="+mj-ea"/>
                 <a:cs typeface="+mj-cs"/>
               </a:rPr>
-              <a:t>C. </a:t>
-            </a:r>
-            <a:r>
-              <a:rPr lang="fr-FR" sz="2400" b="1" dirty="0">
-                <a:solidFill>
-                  <a:schemeClr val="accent2"/>
-                </a:solidFill>
-                <a:latin typeface="+mj-lt"/>
-                <a:ea typeface="+mj-ea"/>
-                <a:cs typeface="+mj-cs"/>
-              </a:rPr>
-              <a:t>Création des variables utiles</a:t>
+              <a:t>E. Création des variables utiles</a:t>
             </a:r>
           </a:p>
         </p:txBody>
@@ -12786,7 +12745,7 @@
                 <a:ea typeface="+mj-ea"/>
                 <a:cs typeface="+mj-cs"/>
               </a:rPr>
-              <a:t>D. Corrélation</a:t>
+              <a:t>F. Corrélation</a:t>
             </a:r>
           </a:p>
         </p:txBody>
@@ -15512,14 +15471,6 @@
 </file>
 
 <file path=customXml/item2.xml><?xml version="1.0" encoding="utf-8"?>
-<p:properties xmlns:p="http://schemas.microsoft.com/office/2006/metadata/properties" xmlns:xsi="http://www.w3.org/2001/XMLSchema-instance" xmlns:pc="http://schemas.microsoft.com/office/infopath/2007/PartnerControls">
-  <documentManagement>
-    <MediaServiceKeyPoints xmlns="71af3243-3dd4-4a8d-8c0d-dd76da1f02a5" xsi:nil="true"/>
-  </documentManagement>
-</p:properties>
-</file>
-
-<file path=customXml/item3.xml><?xml version="1.0" encoding="utf-8"?>
 <ct:contentTypeSchema xmlns:ct="http://schemas.microsoft.com/office/2006/metadata/contentType" xmlns:ma="http://schemas.microsoft.com/office/2006/metadata/properties/metaAttributes" ct:_="" ma:_="" ma:contentTypeName="Document" ma:contentTypeID="0x01010079F111ED35F8CC479449609E8A0923A6" ma:contentTypeVersion="11" ma:contentTypeDescription="Create a new document." ma:contentTypeScope="" ma:versionID="9677210f24a1be23c92c90fd886aa0aa">
   <xsd:schema xmlns:xsd="http://www.w3.org/2001/XMLSchema" xmlns:xs="http://www.w3.org/2001/XMLSchema" xmlns:p="http://schemas.microsoft.com/office/2006/metadata/properties" xmlns:ns2="71af3243-3dd4-4a8d-8c0d-dd76da1f02a5" xmlns:ns3="16c05727-aa75-4e4a-9b5f-8a80a1165891" targetNamespace="http://schemas.microsoft.com/office/2006/metadata/properties" ma:root="true" ma:fieldsID="60e05723c5c1908df1a1a4ebf11d344e" ns2:_="" ns3:_="">
     <xsd:import namespace="71af3243-3dd4-4a8d-8c0d-dd76da1f02a5"/>
@@ -15730,6 +15681,14 @@
 </ct:contentTypeSchema>
 </file>
 
+<file path=customXml/item3.xml><?xml version="1.0" encoding="utf-8"?>
+<p:properties xmlns:p="http://schemas.microsoft.com/office/2006/metadata/properties" xmlns:xsi="http://www.w3.org/2001/XMLSchema-instance" xmlns:pc="http://schemas.microsoft.com/office/infopath/2007/PartnerControls">
+  <documentManagement>
+    <MediaServiceKeyPoints xmlns="71af3243-3dd4-4a8d-8c0d-dd76da1f02a5" xsi:nil="true"/>
+  </documentManagement>
+</p:properties>
+</file>
+
 <file path=customXml/itemProps1.xml><?xml version="1.0" encoding="utf-8"?>
 <ds:datastoreItem xmlns:ds="http://schemas.openxmlformats.org/officeDocument/2006/customXml" ds:itemID="{A2DDA16B-F3AC-4A5B-9F5F-6F5A8F47A9E6}">
   <ds:schemaRefs>
@@ -15739,16 +15698,6 @@
 </file>
 
 <file path=customXml/itemProps2.xml><?xml version="1.0" encoding="utf-8"?>
-<ds:datastoreItem xmlns:ds="http://schemas.openxmlformats.org/officeDocument/2006/customXml" ds:itemID="{3C118CE8-9293-4220-BA3B-5D353B13ABC9}">
-  <ds:schemaRefs>
-    <ds:schemaRef ds:uri="http://schemas.microsoft.com/office/2006/metadata/properties"/>
-    <ds:schemaRef ds:uri="http://schemas.microsoft.com/office/infopath/2007/PartnerControls"/>
-    <ds:schemaRef ds:uri="71af3243-3dd4-4a8d-8c0d-dd76da1f02a5"/>
-  </ds:schemaRefs>
-</ds:datastoreItem>
-</file>
-
-<file path=customXml/itemProps3.xml><?xml version="1.0" encoding="utf-8"?>
 <ds:datastoreItem xmlns:ds="http://schemas.openxmlformats.org/officeDocument/2006/customXml" ds:itemID="{A426FE2C-7640-4BF0-9D68-FDFD4151FD5B}">
   <ds:schemaRefs>
     <ds:schemaRef ds:uri="http://schemas.microsoft.com/office/2006/metadata/contentType"/>
@@ -15765,4 +15714,14 @@
     <ds:schemaRef ds:uri="http://schemas.microsoft.com/internal/obd"/>
   </ds:schemaRefs>
 </ds:datastoreItem>
+</file>
+
+<file path=customXml/itemProps3.xml><?xml version="1.0" encoding="utf-8"?>
+<ds:datastoreItem xmlns:ds="http://schemas.openxmlformats.org/officeDocument/2006/customXml" ds:itemID="{3C118CE8-9293-4220-BA3B-5D353B13ABC9}">
+  <ds:schemaRefs>
+    <ds:schemaRef ds:uri="http://schemas.microsoft.com/office/2006/metadata/properties"/>
+    <ds:schemaRef ds:uri="http://schemas.microsoft.com/office/infopath/2007/PartnerControls"/>
+    <ds:schemaRef ds:uri="71af3243-3dd4-4a8d-8c0d-dd76da1f02a5"/>
+  </ds:schemaRefs>
+</ds:datastoreItem>
 </file>